--- a/data/Images/RouterConnectivity.pptx
+++ b/data/Images/RouterConnectivity.pptx
@@ -104,6 +104,11 @@
       </a:defRPr>
     </a:lvl9pPr>
   </p:defaultTextStyle>
+  <p:extLst>
+    <p:ext uri="{EFAFB233-063F-42B5-8137-9DF3F51BA10A}">
+      <p15:sldGuideLst xmlns:p15="http://schemas.microsoft.com/office/powerpoint/2012/main"/>
+    </p:ext>
+  </p:extLst>
 </p:presentation>
 </file>
 
@@ -254,7 +259,7 @@
           <a:p>
             <a:fld id="{5A07EE38-9F7C-4532-83BF-2776615392D4}" type="datetimeFigureOut">
               <a:rPr lang="en-US" smtClean="0"/>
-              <a:t>5/22/2022</a:t>
+              <a:t>5/23/2022</a:t>
             </a:fld>
             <a:endParaRPr lang="en-US"/>
           </a:p>
@@ -452,7 +457,7 @@
           <a:p>
             <a:fld id="{5A07EE38-9F7C-4532-83BF-2776615392D4}" type="datetimeFigureOut">
               <a:rPr lang="en-US" smtClean="0"/>
-              <a:t>5/22/2022</a:t>
+              <a:t>5/23/2022</a:t>
             </a:fld>
             <a:endParaRPr lang="en-US"/>
           </a:p>
@@ -660,7 +665,7 @@
           <a:p>
             <a:fld id="{5A07EE38-9F7C-4532-83BF-2776615392D4}" type="datetimeFigureOut">
               <a:rPr lang="en-US" smtClean="0"/>
-              <a:t>5/22/2022</a:t>
+              <a:t>5/23/2022</a:t>
             </a:fld>
             <a:endParaRPr lang="en-US"/>
           </a:p>
@@ -858,7 +863,7 @@
           <a:p>
             <a:fld id="{5A07EE38-9F7C-4532-83BF-2776615392D4}" type="datetimeFigureOut">
               <a:rPr lang="en-US" smtClean="0"/>
-              <a:t>5/22/2022</a:t>
+              <a:t>5/23/2022</a:t>
             </a:fld>
             <a:endParaRPr lang="en-US"/>
           </a:p>
@@ -1133,7 +1138,7 @@
           <a:p>
             <a:fld id="{5A07EE38-9F7C-4532-83BF-2776615392D4}" type="datetimeFigureOut">
               <a:rPr lang="en-US" smtClean="0"/>
-              <a:t>5/22/2022</a:t>
+              <a:t>5/23/2022</a:t>
             </a:fld>
             <a:endParaRPr lang="en-US"/>
           </a:p>
@@ -1398,7 +1403,7 @@
           <a:p>
             <a:fld id="{5A07EE38-9F7C-4532-83BF-2776615392D4}" type="datetimeFigureOut">
               <a:rPr lang="en-US" smtClean="0"/>
-              <a:t>5/22/2022</a:t>
+              <a:t>5/23/2022</a:t>
             </a:fld>
             <a:endParaRPr lang="en-US"/>
           </a:p>
@@ -1810,7 +1815,7 @@
           <a:p>
             <a:fld id="{5A07EE38-9F7C-4532-83BF-2776615392D4}" type="datetimeFigureOut">
               <a:rPr lang="en-US" smtClean="0"/>
-              <a:t>5/22/2022</a:t>
+              <a:t>5/23/2022</a:t>
             </a:fld>
             <a:endParaRPr lang="en-US"/>
           </a:p>
@@ -1951,7 +1956,7 @@
           <a:p>
             <a:fld id="{5A07EE38-9F7C-4532-83BF-2776615392D4}" type="datetimeFigureOut">
               <a:rPr lang="en-US" smtClean="0"/>
-              <a:t>5/22/2022</a:t>
+              <a:t>5/23/2022</a:t>
             </a:fld>
             <a:endParaRPr lang="en-US"/>
           </a:p>
@@ -2064,7 +2069,7 @@
           <a:p>
             <a:fld id="{5A07EE38-9F7C-4532-83BF-2776615392D4}" type="datetimeFigureOut">
               <a:rPr lang="en-US" smtClean="0"/>
-              <a:t>5/22/2022</a:t>
+              <a:t>5/23/2022</a:t>
             </a:fld>
             <a:endParaRPr lang="en-US"/>
           </a:p>
@@ -2375,7 +2380,7 @@
           <a:p>
             <a:fld id="{5A07EE38-9F7C-4532-83BF-2776615392D4}" type="datetimeFigureOut">
               <a:rPr lang="en-US" smtClean="0"/>
-              <a:t>5/22/2022</a:t>
+              <a:t>5/23/2022</a:t>
             </a:fld>
             <a:endParaRPr lang="en-US"/>
           </a:p>
@@ -2663,7 +2668,7 @@
           <a:p>
             <a:fld id="{5A07EE38-9F7C-4532-83BF-2776615392D4}" type="datetimeFigureOut">
               <a:rPr lang="en-US" smtClean="0"/>
-              <a:t>5/22/2022</a:t>
+              <a:t>5/23/2022</a:t>
             </a:fld>
             <a:endParaRPr lang="en-US"/>
           </a:p>
@@ -2904,7 +2909,7 @@
           <a:p>
             <a:fld id="{5A07EE38-9F7C-4532-83BF-2776615392D4}" type="datetimeFigureOut">
               <a:rPr lang="en-US" smtClean="0"/>
-              <a:t>5/22/2022</a:t>
+              <a:t>5/23/2022</a:t>
             </a:fld>
             <a:endParaRPr lang="en-US"/>
           </a:p>
@@ -3342,7 +3347,7 @@
           <a:bodyPr/>
           <a:lstStyle/>
           <a:p>
-            <a:endParaRPr lang="en-US"/>
+            <a:endParaRPr lang="en-US" dirty="0"/>
           </a:p>
         </p:txBody>
       </p:sp>
@@ -3610,9 +3615,9 @@
           <p:nvPr/>
         </p:nvSpPr>
         <p:spPr>
-          <a:xfrm rot="19344135">
-            <a:off x="5364580" y="3651627"/>
-            <a:ext cx="1436194" cy="484331"/>
+          <a:xfrm rot="19626821">
+            <a:off x="5396663" y="3622312"/>
+            <a:ext cx="1534562" cy="484331"/>
           </a:xfrm>
           <a:prstGeom prst="leftRightArrow">
             <a:avLst/>
@@ -3692,6 +3697,76 @@
           <a:p>
             <a:pPr algn="ctr"/>
             <a:endParaRPr lang="en-US"/>
+          </a:p>
+        </p:txBody>
+      </p:sp>
+      <p:sp>
+        <p:nvSpPr>
+          <p:cNvPr id="3" name="TextBox 2">
+            <a:extLst>
+              <a:ext uri="{FF2B5EF4-FFF2-40B4-BE49-F238E27FC236}">
+                <a16:creationId xmlns:a16="http://schemas.microsoft.com/office/drawing/2014/main" id="{216473DA-ED18-444D-A5CC-2C39F68C6EFF}"/>
+              </a:ext>
+            </a:extLst>
+          </p:cNvPr>
+          <p:cNvSpPr txBox="1"/>
+          <p:nvPr/>
+        </p:nvSpPr>
+        <p:spPr>
+          <a:xfrm>
+            <a:off x="4251402" y="2614857"/>
+            <a:ext cx="1416828" cy="276999"/>
+          </a:xfrm>
+          <a:prstGeom prst="rect">
+            <a:avLst/>
+          </a:prstGeom>
+          <a:noFill/>
+        </p:spPr>
+        <p:txBody>
+          <a:bodyPr wrap="square" rtlCol="0">
+            <a:spAutoFit/>
+          </a:bodyPr>
+          <a:lstStyle/>
+          <a:p>
+            <a:r>
+              <a:rPr lang="en-US" sz="1200" dirty="0"/>
+              <a:t>(IP not Whitelisted)</a:t>
+            </a:r>
+          </a:p>
+        </p:txBody>
+      </p:sp>
+      <p:sp>
+        <p:nvSpPr>
+          <p:cNvPr id="11" name="TextBox 10">
+            <a:extLst>
+              <a:ext uri="{FF2B5EF4-FFF2-40B4-BE49-F238E27FC236}">
+                <a16:creationId xmlns:a16="http://schemas.microsoft.com/office/drawing/2014/main" id="{01F80CE1-2643-4CBC-82BA-775CACBFAD60}"/>
+              </a:ext>
+            </a:extLst>
+          </p:cNvPr>
+          <p:cNvSpPr txBox="1"/>
+          <p:nvPr/>
+        </p:nvSpPr>
+        <p:spPr>
+          <a:xfrm>
+            <a:off x="4220714" y="4864081"/>
+            <a:ext cx="1416828" cy="276999"/>
+          </a:xfrm>
+          <a:prstGeom prst="rect">
+            <a:avLst/>
+          </a:prstGeom>
+          <a:noFill/>
+        </p:spPr>
+        <p:txBody>
+          <a:bodyPr wrap="square" rtlCol="0">
+            <a:spAutoFit/>
+          </a:bodyPr>
+          <a:lstStyle/>
+          <a:p>
+            <a:r>
+              <a:rPr lang="en-US" sz="1200" dirty="0"/>
+              <a:t>(Whitelisted Server)</a:t>
+            </a:r>
           </a:p>
         </p:txBody>
       </p:sp>
